--- a/project_01/docs/Narayan_ENGI301_project_01_proposal.pptx
+++ b/project_01/docs/Narayan_ENGI301_project_01_proposal.pptx
@@ -5,10 +5,10 @@
     <p:sldMasterId id="2147483648" r:id="rId4"/>
   </p:sldMasterIdLst>
   <p:notesMasterIdLst>
-    <p:notesMasterId r:id="rId14"/>
+    <p:notesMasterId r:id="rId15"/>
   </p:notesMasterIdLst>
   <p:handoutMasterIdLst>
-    <p:handoutMasterId r:id="rId15"/>
+    <p:handoutMasterId r:id="rId16"/>
   </p:handoutMasterIdLst>
   <p:sldIdLst>
     <p:sldId id="261" r:id="rId5"/>
@@ -20,6 +20,7 @@
     <p:sldId id="378" r:id="rId11"/>
     <p:sldId id="379" r:id="rId12"/>
     <p:sldId id="369" r:id="rId13"/>
+    <p:sldId id="380" r:id="rId14"/>
   </p:sldIdLst>
   <p:sldSz cx="12192000" cy="6858000"/>
   <p:notesSz cx="6858000" cy="9144000"/>
@@ -15158,6 +15159,587 @@
 </p:sld>
 </file>
 
+<file path=ppt/slides/slide10.xml><?xml version="1.0" encoding="utf-8"?>
+<p:sld xmlns:a="http://schemas.openxmlformats.org/drawingml/2006/main" xmlns:r="http://schemas.openxmlformats.org/officeDocument/2006/relationships" xmlns:p="http://schemas.openxmlformats.org/presentationml/2006/main">
+  <p:cSld>
+    <p:spTree>
+      <p:nvGrpSpPr>
+        <p:cNvPr id="1" name=""/>
+        <p:cNvGrpSpPr/>
+        <p:nvPr/>
+      </p:nvGrpSpPr>
+      <p:grpSpPr>
+        <a:xfrm>
+          <a:off x="0" y="0"/>
+          <a:ext cx="0" cy="0"/>
+          <a:chOff x="0" y="0"/>
+          <a:chExt cx="0" cy="0"/>
+        </a:xfrm>
+      </p:grpSpPr>
+      <p:sp>
+        <p:nvSpPr>
+          <p:cNvPr id="2" name="Title 1">
+            <a:extLst>
+              <a:ext uri="{FF2B5EF4-FFF2-40B4-BE49-F238E27FC236}">
+                <a16:creationId xmlns:a16="http://schemas.microsoft.com/office/drawing/2014/main" id="{FA71467B-51C2-4E0B-B52A-83BD9F0EB83D}"/>
+              </a:ext>
+            </a:extLst>
+          </p:cNvPr>
+          <p:cNvSpPr>
+            <a:spLocks noGrp="1"/>
+          </p:cNvSpPr>
+          <p:nvPr>
+            <p:ph type="title"/>
+          </p:nvPr>
+        </p:nvSpPr>
+        <p:spPr/>
+        <p:txBody>
+          <a:bodyPr/>
+          <a:lstStyle/>
+          <a:p>
+            <a:r>
+              <a:rPr lang="en-US" dirty="0"/>
+              <a:t>Components / Budget</a:t>
+            </a:r>
+          </a:p>
+        </p:txBody>
+      </p:sp>
+      <p:graphicFrame>
+        <p:nvGraphicFramePr>
+          <p:cNvPr id="4" name="Content Placeholder 3">
+            <a:extLst>
+              <a:ext uri="{FF2B5EF4-FFF2-40B4-BE49-F238E27FC236}">
+                <a16:creationId xmlns:a16="http://schemas.microsoft.com/office/drawing/2014/main" id="{D0B47F4B-CB02-4D02-BE84-F6BC57D0FE26}"/>
+              </a:ext>
+            </a:extLst>
+          </p:cNvPr>
+          <p:cNvGraphicFramePr>
+            <a:graphicFrameLocks noGrp="1"/>
+          </p:cNvGraphicFramePr>
+          <p:nvPr>
+            <p:ph idx="1"/>
+          </p:nvPr>
+        </p:nvGraphicFramePr>
+        <p:xfrm>
+          <a:off x="609600" y="1257300"/>
+          <a:ext cx="10782301" cy="3876040"/>
+        </p:xfrm>
+        <a:graphic>
+          <a:graphicData uri="http://schemas.openxmlformats.org/drawingml/2006/table">
+            <a:tbl>
+              <a:tblPr firstRow="1" bandRow="1">
+                <a:tableStyleId>{BC89EF96-8CEA-46FF-86C4-4CE0E7609802}</a:tableStyleId>
+              </a:tblPr>
+              <a:tblGrid>
+                <a:gridCol w="6631115">
+                  <a:extLst>
+                    <a:ext uri="{9D8B030D-6E8A-4147-A177-3AD203B41FA5}">
+                      <a16:colId xmlns:a16="http://schemas.microsoft.com/office/drawing/2014/main" val="3675253430"/>
+                    </a:ext>
+                  </a:extLst>
+                </a:gridCol>
+                <a:gridCol w="2210372">
+                  <a:extLst>
+                    <a:ext uri="{9D8B030D-6E8A-4147-A177-3AD203B41FA5}">
+                      <a16:colId xmlns:a16="http://schemas.microsoft.com/office/drawing/2014/main" val="1372058784"/>
+                    </a:ext>
+                  </a:extLst>
+                </a:gridCol>
+                <a:gridCol w="1940814">
+                  <a:extLst>
+                    <a:ext uri="{9D8B030D-6E8A-4147-A177-3AD203B41FA5}">
+                      <a16:colId xmlns:a16="http://schemas.microsoft.com/office/drawing/2014/main" val="356583018"/>
+                    </a:ext>
+                  </a:extLst>
+                </a:gridCol>
+              </a:tblGrid>
+              <a:tr h="370840">
+                <a:tc>
+                  <a:txBody>
+                    <a:bodyPr/>
+                    <a:lstStyle/>
+                    <a:p>
+                      <a:r>
+                        <a:rPr lang="en-US" dirty="0"/>
+                        <a:t>Component</a:t>
+                      </a:r>
+                    </a:p>
+                  </a:txBody>
+                  <a:tcPr/>
+                </a:tc>
+                <a:tc>
+                  <a:txBody>
+                    <a:bodyPr/>
+                    <a:lstStyle/>
+                    <a:p>
+                      <a:r>
+                        <a:rPr lang="en-US" dirty="0"/>
+                        <a:t>Need to Buy</a:t>
+                      </a:r>
+                    </a:p>
+                  </a:txBody>
+                  <a:tcPr/>
+                </a:tc>
+                <a:tc>
+                  <a:txBody>
+                    <a:bodyPr/>
+                    <a:lstStyle/>
+                    <a:p>
+                      <a:r>
+                        <a:rPr lang="en-US" dirty="0"/>
+                        <a:t>Total</a:t>
+                      </a:r>
+                    </a:p>
+                  </a:txBody>
+                  <a:tcPr/>
+                </a:tc>
+                <a:extLst>
+                  <a:ext uri="{0D108BD9-81ED-4DB2-BD59-A6C34878D82A}">
+                    <a16:rowId xmlns:a16="http://schemas.microsoft.com/office/drawing/2014/main" val="1606800787"/>
+                  </a:ext>
+                </a:extLst>
+              </a:tr>
+              <a:tr h="370840">
+                <a:tc>
+                  <a:txBody>
+                    <a:bodyPr/>
+                    <a:lstStyle/>
+                    <a:p>
+                      <a:r>
+                        <a:rPr lang="en-US" dirty="0">
+                          <a:hlinkClick r:id="rId2"/>
+                        </a:rPr>
+                        <a:t>Adafruit Trellis Driver PCB</a:t>
+                      </a:r>
+                      <a:endParaRPr lang="en-US" dirty="0"/>
+                    </a:p>
+                    <a:p>
+                      <a:endParaRPr lang="en-US" dirty="0"/>
+                    </a:p>
+                  </a:txBody>
+                  <a:tcPr/>
+                </a:tc>
+                <a:tc>
+                  <a:txBody>
+                    <a:bodyPr/>
+                    <a:lstStyle/>
+                    <a:p>
+                      <a:r>
+                        <a:rPr lang="en-US" dirty="0"/>
+                        <a:t>2</a:t>
+                      </a:r>
+                    </a:p>
+                  </a:txBody>
+                  <a:tcPr/>
+                </a:tc>
+                <a:tc>
+                  <a:txBody>
+                    <a:bodyPr/>
+                    <a:lstStyle/>
+                    <a:p>
+                      <a:r>
+                        <a:rPr lang="en-US" dirty="0"/>
+                        <a:t>$19.90</a:t>
+                      </a:r>
+                    </a:p>
+                  </a:txBody>
+                  <a:tcPr/>
+                </a:tc>
+                <a:extLst>
+                  <a:ext uri="{0D108BD9-81ED-4DB2-BD59-A6C34878D82A}">
+                    <a16:rowId xmlns:a16="http://schemas.microsoft.com/office/drawing/2014/main" val="33313506"/>
+                  </a:ext>
+                </a:extLst>
+              </a:tr>
+              <a:tr h="370840">
+                <a:tc>
+                  <a:txBody>
+                    <a:bodyPr/>
+                    <a:lstStyle/>
+                    <a:p>
+                      <a:r>
+                        <a:rPr lang="en-US" dirty="0">
+                          <a:hlinkClick r:id="rId3"/>
+                        </a:rPr>
+                        <a:t>Trellis Elastomer Keypad</a:t>
+                      </a:r>
+                      <a:endParaRPr lang="en-US" dirty="0"/>
+                    </a:p>
+                    <a:p>
+                      <a:endParaRPr lang="en-US" dirty="0"/>
+                    </a:p>
+                  </a:txBody>
+                  <a:tcPr/>
+                </a:tc>
+                <a:tc>
+                  <a:txBody>
+                    <a:bodyPr/>
+                    <a:lstStyle/>
+                    <a:p>
+                      <a:r>
+                        <a:rPr lang="en-US" dirty="0"/>
+                        <a:t>2</a:t>
+                      </a:r>
+                    </a:p>
+                  </a:txBody>
+                  <a:tcPr/>
+                </a:tc>
+                <a:tc>
+                  <a:txBody>
+                    <a:bodyPr/>
+                    <a:lstStyle/>
+                    <a:p>
+                      <a:r>
+                        <a:rPr lang="en-US" dirty="0"/>
+                        <a:t>$9.90</a:t>
+                      </a:r>
+                    </a:p>
+                  </a:txBody>
+                  <a:tcPr/>
+                </a:tc>
+                <a:extLst>
+                  <a:ext uri="{0D108BD9-81ED-4DB2-BD59-A6C34878D82A}">
+                    <a16:rowId xmlns:a16="http://schemas.microsoft.com/office/drawing/2014/main" val="536370552"/>
+                  </a:ext>
+                </a:extLst>
+              </a:tr>
+              <a:tr h="370840">
+                <a:tc>
+                  <a:txBody>
+                    <a:bodyPr/>
+                    <a:lstStyle/>
+                    <a:p>
+                      <a:r>
+                        <a:rPr lang="en-US" dirty="0"/>
+                        <a:t> </a:t>
+                      </a:r>
+                      <a:r>
+                        <a:rPr lang="en-US" dirty="0">
+                          <a:hlinkClick r:id="rId4"/>
+                        </a:rPr>
+                        <a:t>Standard LCD 16x2 + extras</a:t>
+                      </a:r>
+                      <a:endParaRPr lang="en-US" dirty="0"/>
+                    </a:p>
+                  </a:txBody>
+                  <a:tcPr/>
+                </a:tc>
+                <a:tc>
+                  <a:txBody>
+                    <a:bodyPr/>
+                    <a:lstStyle/>
+                    <a:p>
+                      <a:r>
+                        <a:rPr lang="en-US" dirty="0"/>
+                        <a:t>1</a:t>
+                      </a:r>
+                    </a:p>
+                  </a:txBody>
+                  <a:tcPr/>
+                </a:tc>
+                <a:tc>
+                  <a:txBody>
+                    <a:bodyPr/>
+                    <a:lstStyle/>
+                    <a:p>
+                      <a:r>
+                        <a:rPr lang="en-US" dirty="0"/>
+                        <a:t>$9.95</a:t>
+                      </a:r>
+                    </a:p>
+                  </a:txBody>
+                  <a:tcPr/>
+                </a:tc>
+                <a:extLst>
+                  <a:ext uri="{0D108BD9-81ED-4DB2-BD59-A6C34878D82A}">
+                    <a16:rowId xmlns:a16="http://schemas.microsoft.com/office/drawing/2014/main" val="2595126612"/>
+                  </a:ext>
+                </a:extLst>
+              </a:tr>
+              <a:tr h="370840">
+                <a:tc>
+                  <a:txBody>
+                    <a:bodyPr/>
+                    <a:lstStyle/>
+                    <a:p>
+                      <a:endParaRPr lang="en-US" dirty="0"/>
+                    </a:p>
+                  </a:txBody>
+                  <a:tcPr/>
+                </a:tc>
+                <a:tc>
+                  <a:txBody>
+                    <a:bodyPr/>
+                    <a:lstStyle/>
+                    <a:p>
+                      <a:endParaRPr lang="en-US" dirty="0"/>
+                    </a:p>
+                  </a:txBody>
+                  <a:tcPr/>
+                </a:tc>
+                <a:tc>
+                  <a:txBody>
+                    <a:bodyPr/>
+                    <a:lstStyle/>
+                    <a:p>
+                      <a:endParaRPr lang="en-US" dirty="0"/>
+                    </a:p>
+                  </a:txBody>
+                  <a:tcPr/>
+                </a:tc>
+                <a:extLst>
+                  <a:ext uri="{0D108BD9-81ED-4DB2-BD59-A6C34878D82A}">
+                    <a16:rowId xmlns:a16="http://schemas.microsoft.com/office/drawing/2014/main" val="1757493575"/>
+                  </a:ext>
+                </a:extLst>
+              </a:tr>
+              <a:tr h="370840">
+                <a:tc>
+                  <a:txBody>
+                    <a:bodyPr/>
+                    <a:lstStyle/>
+                    <a:p>
+                      <a:endParaRPr lang="en-US" dirty="0"/>
+                    </a:p>
+                  </a:txBody>
+                  <a:tcPr/>
+                </a:tc>
+                <a:tc>
+                  <a:txBody>
+                    <a:bodyPr/>
+                    <a:lstStyle/>
+                    <a:p>
+                      <a:endParaRPr lang="en-US" dirty="0"/>
+                    </a:p>
+                  </a:txBody>
+                  <a:tcPr/>
+                </a:tc>
+                <a:tc>
+                  <a:txBody>
+                    <a:bodyPr/>
+                    <a:lstStyle/>
+                    <a:p>
+                      <a:endParaRPr lang="en-US" dirty="0"/>
+                    </a:p>
+                  </a:txBody>
+                  <a:tcPr/>
+                </a:tc>
+                <a:extLst>
+                  <a:ext uri="{0D108BD9-81ED-4DB2-BD59-A6C34878D82A}">
+                    <a16:rowId xmlns:a16="http://schemas.microsoft.com/office/drawing/2014/main" val="3862840897"/>
+                  </a:ext>
+                </a:extLst>
+              </a:tr>
+              <a:tr h="370840">
+                <a:tc>
+                  <a:txBody>
+                    <a:bodyPr/>
+                    <a:lstStyle/>
+                    <a:p>
+                      <a:endParaRPr lang="en-US" dirty="0"/>
+                    </a:p>
+                  </a:txBody>
+                  <a:tcPr/>
+                </a:tc>
+                <a:tc>
+                  <a:txBody>
+                    <a:bodyPr/>
+                    <a:lstStyle/>
+                    <a:p>
+                      <a:endParaRPr lang="en-US" dirty="0"/>
+                    </a:p>
+                  </a:txBody>
+                  <a:tcPr/>
+                </a:tc>
+                <a:tc>
+                  <a:txBody>
+                    <a:bodyPr/>
+                    <a:lstStyle/>
+                    <a:p>
+                      <a:endParaRPr lang="en-US" dirty="0"/>
+                    </a:p>
+                  </a:txBody>
+                  <a:tcPr/>
+                </a:tc>
+                <a:extLst>
+                  <a:ext uri="{0D108BD9-81ED-4DB2-BD59-A6C34878D82A}">
+                    <a16:rowId xmlns:a16="http://schemas.microsoft.com/office/drawing/2014/main" val="1698356184"/>
+                  </a:ext>
+                </a:extLst>
+              </a:tr>
+              <a:tr h="370840">
+                <a:tc>
+                  <a:txBody>
+                    <a:bodyPr/>
+                    <a:lstStyle/>
+                    <a:p>
+                      <a:endParaRPr lang="en-US" dirty="0"/>
+                    </a:p>
+                  </a:txBody>
+                  <a:tcPr/>
+                </a:tc>
+                <a:tc>
+                  <a:txBody>
+                    <a:bodyPr/>
+                    <a:lstStyle/>
+                    <a:p>
+                      <a:endParaRPr lang="en-US" dirty="0"/>
+                    </a:p>
+                  </a:txBody>
+                  <a:tcPr/>
+                </a:tc>
+                <a:tc>
+                  <a:txBody>
+                    <a:bodyPr/>
+                    <a:lstStyle/>
+                    <a:p>
+                      <a:endParaRPr lang="en-US" dirty="0"/>
+                    </a:p>
+                  </a:txBody>
+                  <a:tcPr/>
+                </a:tc>
+                <a:extLst>
+                  <a:ext uri="{0D108BD9-81ED-4DB2-BD59-A6C34878D82A}">
+                    <a16:rowId xmlns:a16="http://schemas.microsoft.com/office/drawing/2014/main" val="1364489299"/>
+                  </a:ext>
+                </a:extLst>
+              </a:tr>
+              <a:tr h="370840">
+                <a:tc>
+                  <a:txBody>
+                    <a:bodyPr/>
+                    <a:lstStyle/>
+                    <a:p>
+                      <a:endParaRPr lang="en-US" dirty="0"/>
+                    </a:p>
+                  </a:txBody>
+                  <a:tcPr/>
+                </a:tc>
+                <a:tc>
+                  <a:txBody>
+                    <a:bodyPr/>
+                    <a:lstStyle/>
+                    <a:p>
+                      <a:endParaRPr lang="en-US" dirty="0"/>
+                    </a:p>
+                  </a:txBody>
+                  <a:tcPr/>
+                </a:tc>
+                <a:tc>
+                  <a:txBody>
+                    <a:bodyPr/>
+                    <a:lstStyle/>
+                    <a:p>
+                      <a:endParaRPr lang="en-US" dirty="0"/>
+                    </a:p>
+                  </a:txBody>
+                  <a:tcPr/>
+                </a:tc>
+                <a:extLst>
+                  <a:ext uri="{0D108BD9-81ED-4DB2-BD59-A6C34878D82A}">
+                    <a16:rowId xmlns:a16="http://schemas.microsoft.com/office/drawing/2014/main" val="2337708406"/>
+                  </a:ext>
+                </a:extLst>
+              </a:tr>
+            </a:tbl>
+          </a:graphicData>
+        </a:graphic>
+      </p:graphicFrame>
+      <p:sp>
+        <p:nvSpPr>
+          <p:cNvPr id="3" name="TextBox 2">
+            <a:extLst>
+              <a:ext uri="{FF2B5EF4-FFF2-40B4-BE49-F238E27FC236}">
+                <a16:creationId xmlns:a16="http://schemas.microsoft.com/office/drawing/2014/main" id="{526A78CB-14FC-DAAF-4122-C797B29672B3}"/>
+              </a:ext>
+            </a:extLst>
+          </p:cNvPr>
+          <p:cNvSpPr txBox="1"/>
+          <p:nvPr/>
+        </p:nvSpPr>
+        <p:spPr>
+          <a:xfrm>
+            <a:off x="952500" y="5334000"/>
+            <a:ext cx="4800600" cy="646331"/>
+          </a:xfrm>
+          <a:prstGeom prst="rect">
+            <a:avLst/>
+          </a:prstGeom>
+          <a:noFill/>
+        </p:spPr>
+        <p:txBody>
+          <a:bodyPr wrap="square" rtlCol="0">
+            <a:spAutoFit/>
+          </a:bodyPr>
+          <a:lstStyle/>
+          <a:p>
+            <a:r>
+              <a:rPr lang="en-SG" dirty="0"/>
+              <a:t>I can source the 7-seg LEDs, buttons, and Red LEDs myself and from the parts kit </a:t>
+            </a:r>
+          </a:p>
+        </p:txBody>
+      </p:sp>
+      <p:sp>
+        <p:nvSpPr>
+          <p:cNvPr id="5" name="TextBox 4">
+            <a:extLst>
+              <a:ext uri="{FF2B5EF4-FFF2-40B4-BE49-F238E27FC236}">
+                <a16:creationId xmlns:a16="http://schemas.microsoft.com/office/drawing/2014/main" id="{B3159A1B-E415-B3C1-83E8-3FBCCE7FEA88}"/>
+              </a:ext>
+            </a:extLst>
+          </p:cNvPr>
+          <p:cNvSpPr txBox="1"/>
+          <p:nvPr/>
+        </p:nvSpPr>
+        <p:spPr>
+          <a:xfrm>
+            <a:off x="6553200" y="5247639"/>
+            <a:ext cx="4000500" cy="923330"/>
+          </a:xfrm>
+          <a:prstGeom prst="rect">
+            <a:avLst/>
+          </a:prstGeom>
+          <a:noFill/>
+        </p:spPr>
+        <p:txBody>
+          <a:bodyPr wrap="square" rtlCol="0">
+            <a:spAutoFit/>
+          </a:bodyPr>
+          <a:lstStyle/>
+          <a:p>
+            <a:r>
+              <a:rPr lang="en-SG" dirty="0"/>
+              <a:t>An additional power source may be needed after the current draw of the Trellis is measured</a:t>
+            </a:r>
+          </a:p>
+        </p:txBody>
+      </p:sp>
+    </p:spTree>
+    <p:extLst>
+      <p:ext uri="{BB962C8B-B14F-4D97-AF65-F5344CB8AC3E}">
+        <p14:creationId xmlns:p14="http://schemas.microsoft.com/office/powerpoint/2010/main" val="1481904728"/>
+      </p:ext>
+    </p:extLst>
+  </p:cSld>
+  <p:clrMapOvr>
+    <a:masterClrMapping/>
+  </p:clrMapOvr>
+  <mc:AlternateContent xmlns:mc="http://schemas.openxmlformats.org/markup-compatibility/2006">
+    <mc:Choice xmlns:p14="http://schemas.microsoft.com/office/powerpoint/2010/main" Requires="p14">
+      <p:transition spd="med" p14:dur="700">
+        <p:fade/>
+      </p:transition>
+    </mc:Choice>
+    <mc:Fallback>
+      <p:transition spd="med">
+        <p:fade/>
+      </p:transition>
+    </mc:Fallback>
+  </mc:AlternateContent>
+</p:sld>
+</file>
+
 <file path=ppt/slides/slide2.xml><?xml version="1.0" encoding="utf-8"?>
 <p:sld xmlns:a="http://schemas.openxmlformats.org/drawingml/2006/main" xmlns:r="http://schemas.openxmlformats.org/officeDocument/2006/relationships" xmlns:p="http://schemas.openxmlformats.org/presentationml/2006/main">
   <p:cSld>
@@ -15365,36 +15947,6 @@
           </a:p>
         </p:txBody>
       </p:sp>
-      <p:pic>
-        <p:nvPicPr>
-          <p:cNvPr id="5" name="Picture 4">
-            <a:extLst>
-              <a:ext uri="{FF2B5EF4-FFF2-40B4-BE49-F238E27FC236}">
-                <a16:creationId xmlns:a16="http://schemas.microsoft.com/office/drawing/2014/main" id="{C0A3E768-2CAA-4090-BEE6-C6D2D73D93E9}"/>
-              </a:ext>
-            </a:extLst>
-          </p:cNvPr>
-          <p:cNvPicPr>
-            <a:picLocks noChangeAspect="1"/>
-          </p:cNvPicPr>
-          <p:nvPr/>
-        </p:nvPicPr>
-        <p:blipFill>
-          <a:blip r:embed="rId2"/>
-          <a:stretch>
-            <a:fillRect/>
-          </a:stretch>
-        </p:blipFill>
-        <p:spPr>
-          <a:xfrm>
-            <a:off x="2286000" y="1404655"/>
-            <a:ext cx="6515100" cy="4364247"/>
-          </a:xfrm>
-          <a:prstGeom prst="rect">
-            <a:avLst/>
-          </a:prstGeom>
-        </p:spPr>
-      </p:pic>
       <p:sp>
         <p:nvSpPr>
           <p:cNvPr id="6" name="TextBox 5">
@@ -15430,6 +15982,36 @@
           </a:p>
         </p:txBody>
       </p:sp>
+      <p:pic>
+        <p:nvPicPr>
+          <p:cNvPr id="7" name="Picture 6">
+            <a:extLst>
+              <a:ext uri="{FF2B5EF4-FFF2-40B4-BE49-F238E27FC236}">
+                <a16:creationId xmlns:a16="http://schemas.microsoft.com/office/drawing/2014/main" id="{F664FE98-D55B-9EC3-FA6D-7C063E72B4F7}"/>
+              </a:ext>
+            </a:extLst>
+          </p:cNvPr>
+          <p:cNvPicPr>
+            <a:picLocks noChangeAspect="1"/>
+          </p:cNvPicPr>
+          <p:nvPr/>
+        </p:nvPicPr>
+        <p:blipFill>
+          <a:blip r:embed="rId2"/>
+          <a:stretch>
+            <a:fillRect/>
+          </a:stretch>
+        </p:blipFill>
+        <p:spPr>
+          <a:xfrm>
+            <a:off x="1790700" y="1143001"/>
+            <a:ext cx="6988811" cy="4920472"/>
+          </a:xfrm>
+          <a:prstGeom prst="rect">
+            <a:avLst/>
+          </a:prstGeom>
+        </p:spPr>
+      </p:pic>
     </p:spTree>
     <p:extLst>
       <p:ext uri="{BB962C8B-B14F-4D97-AF65-F5344CB8AC3E}">
@@ -16185,7 +16767,7 @@
             </a:pPr>
             <a:r>
               <a:rPr lang="en-US" dirty="0"/>
-              <a:t>Additional software: code to store patterns, validate patters, swap players, and count score</a:t>
+              <a:t>Additional software: code to store patterns, validate patterns, swap players, and count score</a:t>
             </a:r>
           </a:p>
           <a:p>
@@ -17899,6 +18481,21 @@
 </file>
 
 <file path=customXml/item1.xml><?xml version="1.0" encoding="utf-8"?>
+<p:properties xmlns:p="http://schemas.microsoft.com/office/2006/metadata/properties" xmlns:xsi="http://www.w3.org/2001/XMLSchema-instance" xmlns:pc="http://schemas.microsoft.com/office/infopath/2007/PartnerControls">
+  <documentManagement/>
+</p:properties>
+</file>
+
+<file path=customXml/item2.xml><?xml version="1.0" encoding="utf-8"?>
+<?mso-contentType ?>
+<FormTemplates xmlns="http://schemas.microsoft.com/sharepoint/v3/contenttype/forms">
+  <Display>DocumentLibraryForm</Display>
+  <Edit>DocumentLibraryForm</Edit>
+  <New>DocumentLibraryForm</New>
+</FormTemplates>
+</file>
+
+<file path=customXml/item3.xml><?xml version="1.0" encoding="utf-8"?>
 <ct:contentTypeSchema xmlns:ct="http://schemas.microsoft.com/office/2006/metadata/contentType" xmlns:ma="http://schemas.microsoft.com/office/2006/metadata/properties/metaAttributes" ct:_="" ma:_="" ma:contentTypeName="Document" ma:contentTypeID="0x010100148BCBB579B34349B0184B59DE50F1F1" ma:contentTypeVersion="2" ma:contentTypeDescription="Create a new document." ma:contentTypeScope="" ma:versionID="9162e580411ad9ca6af7432a2ff793b3">
   <xsd:schema xmlns:xsd="http://www.w3.org/2001/XMLSchema" xmlns:xs="http://www.w3.org/2001/XMLSchema" xmlns:p="http://schemas.microsoft.com/office/2006/metadata/properties" xmlns:ns3="ab204ecd-1c7c-4c51-b037-8a7c392345f6" targetNamespace="http://schemas.microsoft.com/office/2006/metadata/properties" ma:root="true" ma:fieldsID="b0982ec2fefdc817c8b043a9a16f7c04" ns3:_="">
     <xsd:import namespace="ab204ecd-1c7c-4c51-b037-8a7c392345f6"/>
@@ -18030,22 +18627,31 @@
 </ct:contentTypeSchema>
 </file>
 
-<file path=customXml/item2.xml><?xml version="1.0" encoding="utf-8"?>
-<?mso-contentType ?>
-<FormTemplates xmlns="http://schemas.microsoft.com/sharepoint/v3/contenttype/forms">
-  <Display>DocumentLibraryForm</Display>
-  <Edit>DocumentLibraryForm</Edit>
-  <New>DocumentLibraryForm</New>
-</FormTemplates>
+<file path=customXml/itemProps1.xml><?xml version="1.0" encoding="utf-8"?>
+<ds:datastoreItem xmlns:ds="http://schemas.openxmlformats.org/officeDocument/2006/customXml" ds:itemID="{6F999121-4023-468C-8B73-47DA9B5106C8}">
+  <ds:schemaRefs>
+    <ds:schemaRef ds:uri="http://schemas.microsoft.com/office/2006/documentManagement/types"/>
+    <ds:schemaRef ds:uri="http://schemas.microsoft.com/office/2006/metadata/properties"/>
+    <ds:schemaRef ds:uri="http://www.w3.org/XML/1998/namespace"/>
+    <ds:schemaRef ds:uri="http://purl.org/dc/elements/1.1/"/>
+    <ds:schemaRef ds:uri="ab204ecd-1c7c-4c51-b037-8a7c392345f6"/>
+    <ds:schemaRef ds:uri="http://purl.org/dc/dcmitype/"/>
+    <ds:schemaRef ds:uri="http://schemas.microsoft.com/office/infopath/2007/PartnerControls"/>
+    <ds:schemaRef ds:uri="http://schemas.openxmlformats.org/package/2006/metadata/core-properties"/>
+    <ds:schemaRef ds:uri="http://purl.org/dc/terms/"/>
+  </ds:schemaRefs>
+</ds:datastoreItem>
 </file>
 
-<file path=customXml/item3.xml><?xml version="1.0" encoding="utf-8"?>
-<p:properties xmlns:p="http://schemas.microsoft.com/office/2006/metadata/properties" xmlns:xsi="http://www.w3.org/2001/XMLSchema-instance" xmlns:pc="http://schemas.microsoft.com/office/infopath/2007/PartnerControls">
-  <documentManagement/>
-</p:properties>
+<file path=customXml/itemProps2.xml><?xml version="1.0" encoding="utf-8"?>
+<ds:datastoreItem xmlns:ds="http://schemas.openxmlformats.org/officeDocument/2006/customXml" ds:itemID="{9B44E019-A73A-4D44-B3F4-087588A9BDA1}">
+  <ds:schemaRefs>
+    <ds:schemaRef ds:uri="http://schemas.microsoft.com/sharepoint/v3/contenttype/forms"/>
+  </ds:schemaRefs>
+</ds:datastoreItem>
 </file>
 
-<file path=customXml/itemProps1.xml><?xml version="1.0" encoding="utf-8"?>
+<file path=customXml/itemProps3.xml><?xml version="1.0" encoding="utf-8"?>
 <ds:datastoreItem xmlns:ds="http://schemas.openxmlformats.org/officeDocument/2006/customXml" ds:itemID="{2A62C983-F002-4FEB-BA5D-EC76AB50D9CC}">
   <ds:schemaRefs>
     <ds:schemaRef ds:uri="http://schemas.microsoft.com/office/2006/metadata/contentType"/>
@@ -18061,28 +18667,4 @@
     <ds:schemaRef ds:uri="http://schemas.microsoft.com/internal/obd"/>
   </ds:schemaRefs>
 </ds:datastoreItem>
-</file>
-
-<file path=customXml/itemProps2.xml><?xml version="1.0" encoding="utf-8"?>
-<ds:datastoreItem xmlns:ds="http://schemas.openxmlformats.org/officeDocument/2006/customXml" ds:itemID="{9B44E019-A73A-4D44-B3F4-087588A9BDA1}">
-  <ds:schemaRefs>
-    <ds:schemaRef ds:uri="http://schemas.microsoft.com/sharepoint/v3/contenttype/forms"/>
-  </ds:schemaRefs>
-</ds:datastoreItem>
-</file>
-
-<file path=customXml/itemProps3.xml><?xml version="1.0" encoding="utf-8"?>
-<ds:datastoreItem xmlns:ds="http://schemas.openxmlformats.org/officeDocument/2006/customXml" ds:itemID="{6F999121-4023-468C-8B73-47DA9B5106C8}">
-  <ds:schemaRefs>
-    <ds:schemaRef ds:uri="http://schemas.microsoft.com/office/2006/documentManagement/types"/>
-    <ds:schemaRef ds:uri="http://schemas.microsoft.com/office/2006/metadata/properties"/>
-    <ds:schemaRef ds:uri="http://www.w3.org/XML/1998/namespace"/>
-    <ds:schemaRef ds:uri="http://purl.org/dc/elements/1.1/"/>
-    <ds:schemaRef ds:uri="ab204ecd-1c7c-4c51-b037-8a7c392345f6"/>
-    <ds:schemaRef ds:uri="http://purl.org/dc/dcmitype/"/>
-    <ds:schemaRef ds:uri="http://schemas.microsoft.com/office/infopath/2007/PartnerControls"/>
-    <ds:schemaRef ds:uri="http://schemas.openxmlformats.org/package/2006/metadata/core-properties"/>
-    <ds:schemaRef ds:uri="http://purl.org/dc/terms/"/>
-  </ds:schemaRefs>
-</ds:datastoreItem>
 </file>
--- a/project_01/docs/Narayan_ENGI301_project_01_proposal.pptx
+++ b/project_01/docs/Narayan_ENGI301_project_01_proposal.pptx
@@ -5,10 +5,10 @@
     <p:sldMasterId id="2147483648" r:id="rId4"/>
   </p:sldMasterIdLst>
   <p:notesMasterIdLst>
-    <p:notesMasterId r:id="rId15"/>
+    <p:notesMasterId r:id="rId14"/>
   </p:notesMasterIdLst>
   <p:handoutMasterIdLst>
-    <p:handoutMasterId r:id="rId16"/>
+    <p:handoutMasterId r:id="rId15"/>
   </p:handoutMasterIdLst>
   <p:sldIdLst>
     <p:sldId id="261" r:id="rId5"/>
@@ -20,7 +20,6 @@
     <p:sldId id="378" r:id="rId11"/>
     <p:sldId id="379" r:id="rId12"/>
     <p:sldId id="369" r:id="rId13"/>
-    <p:sldId id="380" r:id="rId14"/>
   </p:sldIdLst>
   <p:sldSz cx="12192000" cy="6858000"/>
   <p:notesSz cx="6858000" cy="9144000"/>
@@ -223,7 +222,7 @@
           <a:p>
             <a:fld id="{59041DB8-B66F-4DC8-A96E-33677E0F90FF}" type="datetimeFigureOut">
               <a:rPr lang="en-US" smtClean="0"/>
-              <a:t>2/13/2023</a:t>
+              <a:t>2/19/2023</a:t>
             </a:fld>
             <a:endParaRPr lang="en-US"/>
           </a:p>
@@ -388,7 +387,7 @@
           <a:p>
             <a:fld id="{DEB49C4A-65AC-492D-9701-81B46C3AD0E4}" type="datetimeFigureOut">
               <a:rPr lang="en-US" smtClean="0"/>
-              <a:t>2/13/2023</a:t>
+              <a:t>2/19/2023</a:t>
             </a:fld>
             <a:endParaRPr lang="en-US"/>
           </a:p>
@@ -2796,7 +2795,7 @@
           <a:p>
             <a:fld id="{384A29A4-78C8-47AB-BA06-22CB45938951}" type="datetime1">
               <a:rPr lang="en-US" smtClean="0"/>
-              <a:t>2/13/2023</a:t>
+              <a:t>2/19/2023</a:t>
             </a:fld>
             <a:endParaRPr lang="en-US"/>
           </a:p>
@@ -2991,7 +2990,7 @@
           <a:p>
             <a:fld id="{E1ED4ACF-2D82-46F2-A8E9-23963AA34E86}" type="datetime1">
               <a:rPr lang="en-US" smtClean="0"/>
-              <a:t>2/13/2023</a:t>
+              <a:t>2/19/2023</a:t>
             </a:fld>
             <a:endParaRPr lang="en-US"/>
           </a:p>
@@ -3185,7 +3184,7 @@
           <a:p>
             <a:fld id="{AE374B5B-21A0-4192-BF4C-38187F1A68D8}" type="datetime1">
               <a:rPr lang="en-US" smtClean="0"/>
-              <a:t>2/13/2023</a:t>
+              <a:t>2/19/2023</a:t>
             </a:fld>
             <a:endParaRPr lang="en-US"/>
           </a:p>
@@ -5526,7 +5525,7 @@
           <a:p>
             <a:fld id="{33B5CF7C-B333-48E1-A4A6-83A3C8B73AC0}" type="datetime1">
               <a:rPr lang="en-US" smtClean="0"/>
-              <a:t>2/13/2023</a:t>
+              <a:t>2/19/2023</a:t>
             </a:fld>
             <a:endParaRPr lang="en-US"/>
           </a:p>
@@ -5979,7 +5978,7 @@
           <a:p>
             <a:fld id="{AE320762-5CBF-4210-AB54-376B091119F8}" type="datetime1">
               <a:rPr lang="en-US" smtClean="0"/>
-              <a:t>2/13/2023</a:t>
+              <a:t>2/19/2023</a:t>
             </a:fld>
             <a:endParaRPr lang="en-US"/>
           </a:p>
@@ -6111,7 +6110,7 @@
           <a:p>
             <a:fld id="{7F0DB371-BF5F-4058-A212-1A908E4D2674}" type="datetime1">
               <a:rPr lang="en-US" smtClean="0"/>
-              <a:t>2/13/2023</a:t>
+              <a:t>2/19/2023</a:t>
             </a:fld>
             <a:endParaRPr lang="en-US"/>
           </a:p>
@@ -8044,7 +8043,7 @@
           <a:p>
             <a:fld id="{60A4083B-90AA-48CF-BAD5-00AA24D7F288}" type="datetime1">
               <a:rPr lang="en-US" smtClean="0"/>
-              <a:t>2/13/2023</a:t>
+              <a:t>2/19/2023</a:t>
             </a:fld>
             <a:endParaRPr lang="en-US"/>
           </a:p>
@@ -10303,7 +10302,7 @@
             <a:fld id="{F5BAF629-ECA2-4CF3-B790-9D9BDED98269}" type="datetime1">
               <a:rPr lang="en-US" smtClean="0"/>
               <a:pPr/>
-              <a:t>2/13/2023</a:t>
+              <a:t>2/19/2023</a:t>
             </a:fld>
             <a:endParaRPr lang="en-US"/>
           </a:p>
@@ -14598,7 +14597,7 @@
             <a:fld id="{B51B2453-8663-4C69-AF73-9FD7B1DEC5D0}" type="datetime1">
               <a:rPr lang="en-US" smtClean="0"/>
               <a:pPr/>
-              <a:t>2/13/2023</a:t>
+              <a:t>2/19/2023</a:t>
             </a:fld>
             <a:endParaRPr lang="en-US" dirty="0"/>
           </a:p>
@@ -15151,587 +15150,6 @@
       </p:transition>
     </mc:Choice>
     <mc:Fallback xmlns="">
-      <p:transition spd="med">
-        <p:fade/>
-      </p:transition>
-    </mc:Fallback>
-  </mc:AlternateContent>
-</p:sld>
-</file>
-
-<file path=ppt/slides/slide10.xml><?xml version="1.0" encoding="utf-8"?>
-<p:sld xmlns:a="http://schemas.openxmlformats.org/drawingml/2006/main" xmlns:r="http://schemas.openxmlformats.org/officeDocument/2006/relationships" xmlns:p="http://schemas.openxmlformats.org/presentationml/2006/main">
-  <p:cSld>
-    <p:spTree>
-      <p:nvGrpSpPr>
-        <p:cNvPr id="1" name=""/>
-        <p:cNvGrpSpPr/>
-        <p:nvPr/>
-      </p:nvGrpSpPr>
-      <p:grpSpPr>
-        <a:xfrm>
-          <a:off x="0" y="0"/>
-          <a:ext cx="0" cy="0"/>
-          <a:chOff x="0" y="0"/>
-          <a:chExt cx="0" cy="0"/>
-        </a:xfrm>
-      </p:grpSpPr>
-      <p:sp>
-        <p:nvSpPr>
-          <p:cNvPr id="2" name="Title 1">
-            <a:extLst>
-              <a:ext uri="{FF2B5EF4-FFF2-40B4-BE49-F238E27FC236}">
-                <a16:creationId xmlns:a16="http://schemas.microsoft.com/office/drawing/2014/main" id="{FA71467B-51C2-4E0B-B52A-83BD9F0EB83D}"/>
-              </a:ext>
-            </a:extLst>
-          </p:cNvPr>
-          <p:cNvSpPr>
-            <a:spLocks noGrp="1"/>
-          </p:cNvSpPr>
-          <p:nvPr>
-            <p:ph type="title"/>
-          </p:nvPr>
-        </p:nvSpPr>
-        <p:spPr/>
-        <p:txBody>
-          <a:bodyPr/>
-          <a:lstStyle/>
-          <a:p>
-            <a:r>
-              <a:rPr lang="en-US" dirty="0"/>
-              <a:t>Components / Budget</a:t>
-            </a:r>
-          </a:p>
-        </p:txBody>
-      </p:sp>
-      <p:graphicFrame>
-        <p:nvGraphicFramePr>
-          <p:cNvPr id="4" name="Content Placeholder 3">
-            <a:extLst>
-              <a:ext uri="{FF2B5EF4-FFF2-40B4-BE49-F238E27FC236}">
-                <a16:creationId xmlns:a16="http://schemas.microsoft.com/office/drawing/2014/main" id="{D0B47F4B-CB02-4D02-BE84-F6BC57D0FE26}"/>
-              </a:ext>
-            </a:extLst>
-          </p:cNvPr>
-          <p:cNvGraphicFramePr>
-            <a:graphicFrameLocks noGrp="1"/>
-          </p:cNvGraphicFramePr>
-          <p:nvPr>
-            <p:ph idx="1"/>
-          </p:nvPr>
-        </p:nvGraphicFramePr>
-        <p:xfrm>
-          <a:off x="609600" y="1257300"/>
-          <a:ext cx="10782301" cy="3876040"/>
-        </p:xfrm>
-        <a:graphic>
-          <a:graphicData uri="http://schemas.openxmlformats.org/drawingml/2006/table">
-            <a:tbl>
-              <a:tblPr firstRow="1" bandRow="1">
-                <a:tableStyleId>{BC89EF96-8CEA-46FF-86C4-4CE0E7609802}</a:tableStyleId>
-              </a:tblPr>
-              <a:tblGrid>
-                <a:gridCol w="6631115">
-                  <a:extLst>
-                    <a:ext uri="{9D8B030D-6E8A-4147-A177-3AD203B41FA5}">
-                      <a16:colId xmlns:a16="http://schemas.microsoft.com/office/drawing/2014/main" val="3675253430"/>
-                    </a:ext>
-                  </a:extLst>
-                </a:gridCol>
-                <a:gridCol w="2210372">
-                  <a:extLst>
-                    <a:ext uri="{9D8B030D-6E8A-4147-A177-3AD203B41FA5}">
-                      <a16:colId xmlns:a16="http://schemas.microsoft.com/office/drawing/2014/main" val="1372058784"/>
-                    </a:ext>
-                  </a:extLst>
-                </a:gridCol>
-                <a:gridCol w="1940814">
-                  <a:extLst>
-                    <a:ext uri="{9D8B030D-6E8A-4147-A177-3AD203B41FA5}">
-                      <a16:colId xmlns:a16="http://schemas.microsoft.com/office/drawing/2014/main" val="356583018"/>
-                    </a:ext>
-                  </a:extLst>
-                </a:gridCol>
-              </a:tblGrid>
-              <a:tr h="370840">
-                <a:tc>
-                  <a:txBody>
-                    <a:bodyPr/>
-                    <a:lstStyle/>
-                    <a:p>
-                      <a:r>
-                        <a:rPr lang="en-US" dirty="0"/>
-                        <a:t>Component</a:t>
-                      </a:r>
-                    </a:p>
-                  </a:txBody>
-                  <a:tcPr/>
-                </a:tc>
-                <a:tc>
-                  <a:txBody>
-                    <a:bodyPr/>
-                    <a:lstStyle/>
-                    <a:p>
-                      <a:r>
-                        <a:rPr lang="en-US" dirty="0"/>
-                        <a:t>Need to Buy</a:t>
-                      </a:r>
-                    </a:p>
-                  </a:txBody>
-                  <a:tcPr/>
-                </a:tc>
-                <a:tc>
-                  <a:txBody>
-                    <a:bodyPr/>
-                    <a:lstStyle/>
-                    <a:p>
-                      <a:r>
-                        <a:rPr lang="en-US" dirty="0"/>
-                        <a:t>Total</a:t>
-                      </a:r>
-                    </a:p>
-                  </a:txBody>
-                  <a:tcPr/>
-                </a:tc>
-                <a:extLst>
-                  <a:ext uri="{0D108BD9-81ED-4DB2-BD59-A6C34878D82A}">
-                    <a16:rowId xmlns:a16="http://schemas.microsoft.com/office/drawing/2014/main" val="1606800787"/>
-                  </a:ext>
-                </a:extLst>
-              </a:tr>
-              <a:tr h="370840">
-                <a:tc>
-                  <a:txBody>
-                    <a:bodyPr/>
-                    <a:lstStyle/>
-                    <a:p>
-                      <a:r>
-                        <a:rPr lang="en-US" dirty="0">
-                          <a:hlinkClick r:id="rId2"/>
-                        </a:rPr>
-                        <a:t>Adafruit Trellis Driver PCB</a:t>
-                      </a:r>
-                      <a:endParaRPr lang="en-US" dirty="0"/>
-                    </a:p>
-                    <a:p>
-                      <a:endParaRPr lang="en-US" dirty="0"/>
-                    </a:p>
-                  </a:txBody>
-                  <a:tcPr/>
-                </a:tc>
-                <a:tc>
-                  <a:txBody>
-                    <a:bodyPr/>
-                    <a:lstStyle/>
-                    <a:p>
-                      <a:r>
-                        <a:rPr lang="en-US" dirty="0"/>
-                        <a:t>2</a:t>
-                      </a:r>
-                    </a:p>
-                  </a:txBody>
-                  <a:tcPr/>
-                </a:tc>
-                <a:tc>
-                  <a:txBody>
-                    <a:bodyPr/>
-                    <a:lstStyle/>
-                    <a:p>
-                      <a:r>
-                        <a:rPr lang="en-US" dirty="0"/>
-                        <a:t>$19.90</a:t>
-                      </a:r>
-                    </a:p>
-                  </a:txBody>
-                  <a:tcPr/>
-                </a:tc>
-                <a:extLst>
-                  <a:ext uri="{0D108BD9-81ED-4DB2-BD59-A6C34878D82A}">
-                    <a16:rowId xmlns:a16="http://schemas.microsoft.com/office/drawing/2014/main" val="33313506"/>
-                  </a:ext>
-                </a:extLst>
-              </a:tr>
-              <a:tr h="370840">
-                <a:tc>
-                  <a:txBody>
-                    <a:bodyPr/>
-                    <a:lstStyle/>
-                    <a:p>
-                      <a:r>
-                        <a:rPr lang="en-US" dirty="0">
-                          <a:hlinkClick r:id="rId3"/>
-                        </a:rPr>
-                        <a:t>Trellis Elastomer Keypad</a:t>
-                      </a:r>
-                      <a:endParaRPr lang="en-US" dirty="0"/>
-                    </a:p>
-                    <a:p>
-                      <a:endParaRPr lang="en-US" dirty="0"/>
-                    </a:p>
-                  </a:txBody>
-                  <a:tcPr/>
-                </a:tc>
-                <a:tc>
-                  <a:txBody>
-                    <a:bodyPr/>
-                    <a:lstStyle/>
-                    <a:p>
-                      <a:r>
-                        <a:rPr lang="en-US" dirty="0"/>
-                        <a:t>2</a:t>
-                      </a:r>
-                    </a:p>
-                  </a:txBody>
-                  <a:tcPr/>
-                </a:tc>
-                <a:tc>
-                  <a:txBody>
-                    <a:bodyPr/>
-                    <a:lstStyle/>
-                    <a:p>
-                      <a:r>
-                        <a:rPr lang="en-US" dirty="0"/>
-                        <a:t>$9.90</a:t>
-                      </a:r>
-                    </a:p>
-                  </a:txBody>
-                  <a:tcPr/>
-                </a:tc>
-                <a:extLst>
-                  <a:ext uri="{0D108BD9-81ED-4DB2-BD59-A6C34878D82A}">
-                    <a16:rowId xmlns:a16="http://schemas.microsoft.com/office/drawing/2014/main" val="536370552"/>
-                  </a:ext>
-                </a:extLst>
-              </a:tr>
-              <a:tr h="370840">
-                <a:tc>
-                  <a:txBody>
-                    <a:bodyPr/>
-                    <a:lstStyle/>
-                    <a:p>
-                      <a:r>
-                        <a:rPr lang="en-US" dirty="0"/>
-                        <a:t> </a:t>
-                      </a:r>
-                      <a:r>
-                        <a:rPr lang="en-US" dirty="0">
-                          <a:hlinkClick r:id="rId4"/>
-                        </a:rPr>
-                        <a:t>Standard LCD 16x2 + extras</a:t>
-                      </a:r>
-                      <a:endParaRPr lang="en-US" dirty="0"/>
-                    </a:p>
-                  </a:txBody>
-                  <a:tcPr/>
-                </a:tc>
-                <a:tc>
-                  <a:txBody>
-                    <a:bodyPr/>
-                    <a:lstStyle/>
-                    <a:p>
-                      <a:r>
-                        <a:rPr lang="en-US" dirty="0"/>
-                        <a:t>1</a:t>
-                      </a:r>
-                    </a:p>
-                  </a:txBody>
-                  <a:tcPr/>
-                </a:tc>
-                <a:tc>
-                  <a:txBody>
-                    <a:bodyPr/>
-                    <a:lstStyle/>
-                    <a:p>
-                      <a:r>
-                        <a:rPr lang="en-US" dirty="0"/>
-                        <a:t>$9.95</a:t>
-                      </a:r>
-                    </a:p>
-                  </a:txBody>
-                  <a:tcPr/>
-                </a:tc>
-                <a:extLst>
-                  <a:ext uri="{0D108BD9-81ED-4DB2-BD59-A6C34878D82A}">
-                    <a16:rowId xmlns:a16="http://schemas.microsoft.com/office/drawing/2014/main" val="2595126612"/>
-                  </a:ext>
-                </a:extLst>
-              </a:tr>
-              <a:tr h="370840">
-                <a:tc>
-                  <a:txBody>
-                    <a:bodyPr/>
-                    <a:lstStyle/>
-                    <a:p>
-                      <a:endParaRPr lang="en-US" dirty="0"/>
-                    </a:p>
-                  </a:txBody>
-                  <a:tcPr/>
-                </a:tc>
-                <a:tc>
-                  <a:txBody>
-                    <a:bodyPr/>
-                    <a:lstStyle/>
-                    <a:p>
-                      <a:endParaRPr lang="en-US" dirty="0"/>
-                    </a:p>
-                  </a:txBody>
-                  <a:tcPr/>
-                </a:tc>
-                <a:tc>
-                  <a:txBody>
-                    <a:bodyPr/>
-                    <a:lstStyle/>
-                    <a:p>
-                      <a:endParaRPr lang="en-US" dirty="0"/>
-                    </a:p>
-                  </a:txBody>
-                  <a:tcPr/>
-                </a:tc>
-                <a:extLst>
-                  <a:ext uri="{0D108BD9-81ED-4DB2-BD59-A6C34878D82A}">
-                    <a16:rowId xmlns:a16="http://schemas.microsoft.com/office/drawing/2014/main" val="1757493575"/>
-                  </a:ext>
-                </a:extLst>
-              </a:tr>
-              <a:tr h="370840">
-                <a:tc>
-                  <a:txBody>
-                    <a:bodyPr/>
-                    <a:lstStyle/>
-                    <a:p>
-                      <a:endParaRPr lang="en-US" dirty="0"/>
-                    </a:p>
-                  </a:txBody>
-                  <a:tcPr/>
-                </a:tc>
-                <a:tc>
-                  <a:txBody>
-                    <a:bodyPr/>
-                    <a:lstStyle/>
-                    <a:p>
-                      <a:endParaRPr lang="en-US" dirty="0"/>
-                    </a:p>
-                  </a:txBody>
-                  <a:tcPr/>
-                </a:tc>
-                <a:tc>
-                  <a:txBody>
-                    <a:bodyPr/>
-                    <a:lstStyle/>
-                    <a:p>
-                      <a:endParaRPr lang="en-US" dirty="0"/>
-                    </a:p>
-                  </a:txBody>
-                  <a:tcPr/>
-                </a:tc>
-                <a:extLst>
-                  <a:ext uri="{0D108BD9-81ED-4DB2-BD59-A6C34878D82A}">
-                    <a16:rowId xmlns:a16="http://schemas.microsoft.com/office/drawing/2014/main" val="3862840897"/>
-                  </a:ext>
-                </a:extLst>
-              </a:tr>
-              <a:tr h="370840">
-                <a:tc>
-                  <a:txBody>
-                    <a:bodyPr/>
-                    <a:lstStyle/>
-                    <a:p>
-                      <a:endParaRPr lang="en-US" dirty="0"/>
-                    </a:p>
-                  </a:txBody>
-                  <a:tcPr/>
-                </a:tc>
-                <a:tc>
-                  <a:txBody>
-                    <a:bodyPr/>
-                    <a:lstStyle/>
-                    <a:p>
-                      <a:endParaRPr lang="en-US" dirty="0"/>
-                    </a:p>
-                  </a:txBody>
-                  <a:tcPr/>
-                </a:tc>
-                <a:tc>
-                  <a:txBody>
-                    <a:bodyPr/>
-                    <a:lstStyle/>
-                    <a:p>
-                      <a:endParaRPr lang="en-US" dirty="0"/>
-                    </a:p>
-                  </a:txBody>
-                  <a:tcPr/>
-                </a:tc>
-                <a:extLst>
-                  <a:ext uri="{0D108BD9-81ED-4DB2-BD59-A6C34878D82A}">
-                    <a16:rowId xmlns:a16="http://schemas.microsoft.com/office/drawing/2014/main" val="1698356184"/>
-                  </a:ext>
-                </a:extLst>
-              </a:tr>
-              <a:tr h="370840">
-                <a:tc>
-                  <a:txBody>
-                    <a:bodyPr/>
-                    <a:lstStyle/>
-                    <a:p>
-                      <a:endParaRPr lang="en-US" dirty="0"/>
-                    </a:p>
-                  </a:txBody>
-                  <a:tcPr/>
-                </a:tc>
-                <a:tc>
-                  <a:txBody>
-                    <a:bodyPr/>
-                    <a:lstStyle/>
-                    <a:p>
-                      <a:endParaRPr lang="en-US" dirty="0"/>
-                    </a:p>
-                  </a:txBody>
-                  <a:tcPr/>
-                </a:tc>
-                <a:tc>
-                  <a:txBody>
-                    <a:bodyPr/>
-                    <a:lstStyle/>
-                    <a:p>
-                      <a:endParaRPr lang="en-US" dirty="0"/>
-                    </a:p>
-                  </a:txBody>
-                  <a:tcPr/>
-                </a:tc>
-                <a:extLst>
-                  <a:ext uri="{0D108BD9-81ED-4DB2-BD59-A6C34878D82A}">
-                    <a16:rowId xmlns:a16="http://schemas.microsoft.com/office/drawing/2014/main" val="1364489299"/>
-                  </a:ext>
-                </a:extLst>
-              </a:tr>
-              <a:tr h="370840">
-                <a:tc>
-                  <a:txBody>
-                    <a:bodyPr/>
-                    <a:lstStyle/>
-                    <a:p>
-                      <a:endParaRPr lang="en-US" dirty="0"/>
-                    </a:p>
-                  </a:txBody>
-                  <a:tcPr/>
-                </a:tc>
-                <a:tc>
-                  <a:txBody>
-                    <a:bodyPr/>
-                    <a:lstStyle/>
-                    <a:p>
-                      <a:endParaRPr lang="en-US" dirty="0"/>
-                    </a:p>
-                  </a:txBody>
-                  <a:tcPr/>
-                </a:tc>
-                <a:tc>
-                  <a:txBody>
-                    <a:bodyPr/>
-                    <a:lstStyle/>
-                    <a:p>
-                      <a:endParaRPr lang="en-US" dirty="0"/>
-                    </a:p>
-                  </a:txBody>
-                  <a:tcPr/>
-                </a:tc>
-                <a:extLst>
-                  <a:ext uri="{0D108BD9-81ED-4DB2-BD59-A6C34878D82A}">
-                    <a16:rowId xmlns:a16="http://schemas.microsoft.com/office/drawing/2014/main" val="2337708406"/>
-                  </a:ext>
-                </a:extLst>
-              </a:tr>
-            </a:tbl>
-          </a:graphicData>
-        </a:graphic>
-      </p:graphicFrame>
-      <p:sp>
-        <p:nvSpPr>
-          <p:cNvPr id="3" name="TextBox 2">
-            <a:extLst>
-              <a:ext uri="{FF2B5EF4-FFF2-40B4-BE49-F238E27FC236}">
-                <a16:creationId xmlns:a16="http://schemas.microsoft.com/office/drawing/2014/main" id="{526A78CB-14FC-DAAF-4122-C797B29672B3}"/>
-              </a:ext>
-            </a:extLst>
-          </p:cNvPr>
-          <p:cNvSpPr txBox="1"/>
-          <p:nvPr/>
-        </p:nvSpPr>
-        <p:spPr>
-          <a:xfrm>
-            <a:off x="952500" y="5334000"/>
-            <a:ext cx="4800600" cy="646331"/>
-          </a:xfrm>
-          <a:prstGeom prst="rect">
-            <a:avLst/>
-          </a:prstGeom>
-          <a:noFill/>
-        </p:spPr>
-        <p:txBody>
-          <a:bodyPr wrap="square" rtlCol="0">
-            <a:spAutoFit/>
-          </a:bodyPr>
-          <a:lstStyle/>
-          <a:p>
-            <a:r>
-              <a:rPr lang="en-SG" dirty="0"/>
-              <a:t>I can source the 7-seg LEDs, buttons, and Red LEDs myself and from the parts kit </a:t>
-            </a:r>
-          </a:p>
-        </p:txBody>
-      </p:sp>
-      <p:sp>
-        <p:nvSpPr>
-          <p:cNvPr id="5" name="TextBox 4">
-            <a:extLst>
-              <a:ext uri="{FF2B5EF4-FFF2-40B4-BE49-F238E27FC236}">
-                <a16:creationId xmlns:a16="http://schemas.microsoft.com/office/drawing/2014/main" id="{B3159A1B-E415-B3C1-83E8-3FBCCE7FEA88}"/>
-              </a:ext>
-            </a:extLst>
-          </p:cNvPr>
-          <p:cNvSpPr txBox="1"/>
-          <p:nvPr/>
-        </p:nvSpPr>
-        <p:spPr>
-          <a:xfrm>
-            <a:off x="6553200" y="5247639"/>
-            <a:ext cx="4000500" cy="923330"/>
-          </a:xfrm>
-          <a:prstGeom prst="rect">
-            <a:avLst/>
-          </a:prstGeom>
-          <a:noFill/>
-        </p:spPr>
-        <p:txBody>
-          <a:bodyPr wrap="square" rtlCol="0">
-            <a:spAutoFit/>
-          </a:bodyPr>
-          <a:lstStyle/>
-          <a:p>
-            <a:r>
-              <a:rPr lang="en-SG" dirty="0"/>
-              <a:t>An additional power source may be needed after the current draw of the Trellis is measured</a:t>
-            </a:r>
-          </a:p>
-        </p:txBody>
-      </p:sp>
-    </p:spTree>
-    <p:extLst>
-      <p:ext uri="{BB962C8B-B14F-4D97-AF65-F5344CB8AC3E}">
-        <p14:creationId xmlns:p14="http://schemas.microsoft.com/office/powerpoint/2010/main" val="1481904728"/>
-      </p:ext>
-    </p:extLst>
-  </p:cSld>
-  <p:clrMapOvr>
-    <a:masterClrMapping/>
-  </p:clrMapOvr>
-  <mc:AlternateContent xmlns:mc="http://schemas.openxmlformats.org/markup-compatibility/2006">
-    <mc:Choice xmlns:p14="http://schemas.microsoft.com/office/powerpoint/2010/main" Requires="p14">
-      <p:transition spd="med" p14:dur="700">
-        <p:fade/>
-      </p:transition>
-    </mc:Choice>
-    <mc:Fallback>
       <p:transition spd="med">
         <p:fade/>
       </p:transition>
@@ -17188,7 +16606,7 @@
             <p:ph idx="1"/>
             <p:extLst>
               <p:ext uri="{D42A27DB-BD31-4B8C-83A1-F6EECF244321}">
-                <p14:modId xmlns:p14="http://schemas.microsoft.com/office/powerpoint/2010/main" val="3751602307"/>
+                <p14:modId xmlns:p14="http://schemas.microsoft.com/office/powerpoint/2010/main" val="1074908666"/>
               </p:ext>
             </p:extLst>
           </p:nvPr>
@@ -17435,6 +16853,12 @@
                     <a:bodyPr/>
                     <a:lstStyle/>
                     <a:p>
+                      <a:r>
+                        <a:rPr lang="en-US" dirty="0">
+                          <a:hlinkClick r:id="rId5"/>
+                        </a:rPr>
+                        <a:t>USB power supply</a:t>
+                      </a:r>
                       <a:endParaRPr lang="en-US" dirty="0"/>
                     </a:p>
                   </a:txBody>
@@ -17445,7 +16869,10 @@
                     <a:bodyPr/>
                     <a:lstStyle/>
                     <a:p>
-                      <a:endParaRPr lang="en-US" dirty="0"/>
+                      <a:r>
+                        <a:rPr lang="en-US" dirty="0"/>
+                        <a:t>1</a:t>
+                      </a:r>
                     </a:p>
                   </a:txBody>
                   <a:tcPr/>
@@ -17455,7 +16882,10 @@
                     <a:bodyPr/>
                     <a:lstStyle/>
                     <a:p>
-                      <a:endParaRPr lang="en-US" dirty="0"/>
+                      <a:r>
+                        <a:rPr lang="en-US" dirty="0"/>
+                        <a:t>$11.89</a:t>
+                      </a:r>
                     </a:p>
                   </a:txBody>
                   <a:tcPr/>
@@ -18481,18 +17911,18 @@
 </file>
 
 <file path=customXml/item1.xml><?xml version="1.0" encoding="utf-8"?>
-<p:properties xmlns:p="http://schemas.microsoft.com/office/2006/metadata/properties" xmlns:xsi="http://www.w3.org/2001/XMLSchema-instance" xmlns:pc="http://schemas.microsoft.com/office/infopath/2007/PartnerControls">
-  <documentManagement/>
-</p:properties>
-</file>
-
-<file path=customXml/item2.xml><?xml version="1.0" encoding="utf-8"?>
 <?mso-contentType ?>
 <FormTemplates xmlns="http://schemas.microsoft.com/sharepoint/v3/contenttype/forms">
   <Display>DocumentLibraryForm</Display>
   <Edit>DocumentLibraryForm</Edit>
   <New>DocumentLibraryForm</New>
 </FormTemplates>
+</file>
+
+<file path=customXml/item2.xml><?xml version="1.0" encoding="utf-8"?>
+<p:properties xmlns:p="http://schemas.microsoft.com/office/2006/metadata/properties" xmlns:xsi="http://www.w3.org/2001/XMLSchema-instance" xmlns:pc="http://schemas.microsoft.com/office/infopath/2007/PartnerControls">
+  <documentManagement/>
+</p:properties>
 </file>
 
 <file path=customXml/item3.xml><?xml version="1.0" encoding="utf-8"?>
@@ -18628,6 +18058,14 @@
 </file>
 
 <file path=customXml/itemProps1.xml><?xml version="1.0" encoding="utf-8"?>
+<ds:datastoreItem xmlns:ds="http://schemas.openxmlformats.org/officeDocument/2006/customXml" ds:itemID="{9B44E019-A73A-4D44-B3F4-087588A9BDA1}">
+  <ds:schemaRefs>
+    <ds:schemaRef ds:uri="http://schemas.microsoft.com/sharepoint/v3/contenttype/forms"/>
+  </ds:schemaRefs>
+</ds:datastoreItem>
+</file>
+
+<file path=customXml/itemProps2.xml><?xml version="1.0" encoding="utf-8"?>
 <ds:datastoreItem xmlns:ds="http://schemas.openxmlformats.org/officeDocument/2006/customXml" ds:itemID="{6F999121-4023-468C-8B73-47DA9B5106C8}">
   <ds:schemaRefs>
     <ds:schemaRef ds:uri="http://schemas.microsoft.com/office/2006/documentManagement/types"/>
@@ -18639,14 +18077,6 @@
     <ds:schemaRef ds:uri="http://schemas.microsoft.com/office/infopath/2007/PartnerControls"/>
     <ds:schemaRef ds:uri="http://schemas.openxmlformats.org/package/2006/metadata/core-properties"/>
     <ds:schemaRef ds:uri="http://purl.org/dc/terms/"/>
-  </ds:schemaRefs>
-</ds:datastoreItem>
-</file>
-
-<file path=customXml/itemProps2.xml><?xml version="1.0" encoding="utf-8"?>
-<ds:datastoreItem xmlns:ds="http://schemas.openxmlformats.org/officeDocument/2006/customXml" ds:itemID="{9B44E019-A73A-4D44-B3F4-087588A9BDA1}">
-  <ds:schemaRefs>
-    <ds:schemaRef ds:uri="http://schemas.microsoft.com/sharepoint/v3/contenttype/forms"/>
   </ds:schemaRefs>
 </ds:datastoreItem>
 </file>
